--- a/Auto-PPT/diagram.pptx
+++ b/Auto-PPT/diagram.pptx
@@ -5,7 +5,7 @@
     <p:sldMasterId id="2147483648" r:id="rId1"/>
   </p:sldMasterIdLst>
   <p:sldIdLst>
-    <p:sldId id="257" r:id="rId2"/>
+    <p:sldId id="256" r:id="rId2"/>
   </p:sldIdLst>
   <p:sldSz cx="12192000" cy="6858000"/>
   <p:notesSz cx="6858000" cy="9144000"/>
@@ -104,7 +104,128 @@
       </a:defRPr>
     </a:lvl9pPr>
   </p:defaultTextStyle>
+  <p:extLst>
+    <p:ext uri="{EFAFB233-063F-42B5-8137-9DF3F51BA10A}">
+      <p15:sldGuideLst xmlns:p15="http://schemas.microsoft.com/office/powerpoint/2012/main"/>
+    </p:ext>
+  </p:extLst>
 </p:presentation>
+</file>
+
+<file path=ppt/revisionInfo.xml><?xml version="1.0" encoding="utf-8"?>
+<p1510:revInfo xmlns:a="http://schemas.openxmlformats.org/drawingml/2006/main" xmlns:r="http://schemas.openxmlformats.org/officeDocument/2006/relationships" xmlns:p1510="http://schemas.microsoft.com/office/powerpoint/2015/10/main">
+  <p1510:revLst>
+    <p1510:client id="{A8652FE5-D502-4767-B550-4A56B857022A}" v="2" dt="2023-04-21T15:16:04.207"/>
+  </p1510:revLst>
+</p1510:revInfo>
+</file>
+
+<file path=ppt/changesInfos/changesInfo1.xml><?xml version="1.0" encoding="utf-8"?>
+<pc:chgInfo xmlns:a="http://schemas.openxmlformats.org/drawingml/2006/main" xmlns:r="http://schemas.openxmlformats.org/officeDocument/2006/relationships" xmlns:ac="http://schemas.microsoft.com/office/drawing/2013/main/command" xmlns:pc="http://schemas.microsoft.com/office/powerpoint/2013/main/command">
+  <pc:docChgLst>
+    <pc:chgData name="phia soop" userId="29a08e2069ba6ceb" providerId="LiveId" clId="{A8652FE5-D502-4767-B550-4A56B857022A}"/>
+    <pc:docChg chg="addSld delSld modSld sldOrd">
+      <pc:chgData name="phia soop" userId="29a08e2069ba6ceb" providerId="LiveId" clId="{A8652FE5-D502-4767-B550-4A56B857022A}" dt="2023-04-21T15:16:04.206" v="5" actId="1076"/>
+      <pc:docMkLst>
+        <pc:docMk/>
+      </pc:docMkLst>
+      <pc:sldChg chg="modSp add">
+        <pc:chgData name="phia soop" userId="29a08e2069ba6ceb" providerId="LiveId" clId="{A8652FE5-D502-4767-B550-4A56B857022A}" dt="2023-04-21T15:16:04.206" v="5" actId="1076"/>
+        <pc:sldMkLst>
+          <pc:docMk/>
+          <pc:sldMk cId="0" sldId="256"/>
+        </pc:sldMkLst>
+        <pc:spChg chg="mod">
+          <ac:chgData name="phia soop" userId="29a08e2069ba6ceb" providerId="LiveId" clId="{A8652FE5-D502-4767-B550-4A56B857022A}" dt="2023-04-21T15:16:04.206" v="5" actId="1076"/>
+          <ac:spMkLst>
+            <pc:docMk/>
+            <pc:sldMk cId="0" sldId="256"/>
+            <ac:spMk id="16" creationId="{7A1FC707-D0EB-3C7C-36EE-5BF992A485C2}"/>
+          </ac:spMkLst>
+        </pc:spChg>
+        <pc:spChg chg="mod">
+          <ac:chgData name="phia soop" userId="29a08e2069ba6ceb" providerId="LiveId" clId="{A8652FE5-D502-4767-B550-4A56B857022A}" dt="2023-04-21T15:16:04.206" v="5" actId="1076"/>
+          <ac:spMkLst>
+            <pc:docMk/>
+            <pc:sldMk cId="0" sldId="256"/>
+            <ac:spMk id="20" creationId="{B65D2A5E-F914-6924-2D86-6297EEDE19B3}"/>
+          </ac:spMkLst>
+        </pc:spChg>
+        <pc:spChg chg="mod">
+          <ac:chgData name="phia soop" userId="29a08e2069ba6ceb" providerId="LiveId" clId="{A8652FE5-D502-4767-B550-4A56B857022A}" dt="2023-04-21T15:16:04.206" v="5" actId="1076"/>
+          <ac:spMkLst>
+            <pc:docMk/>
+            <pc:sldMk cId="0" sldId="256"/>
+            <ac:spMk id="21" creationId="{E6A42C7C-C2C8-5BB1-08BB-12599DD72580}"/>
+          </ac:spMkLst>
+        </pc:spChg>
+        <pc:picChg chg="mod">
+          <ac:chgData name="phia soop" userId="29a08e2069ba6ceb" providerId="LiveId" clId="{A8652FE5-D502-4767-B550-4A56B857022A}" dt="2023-04-21T15:16:04.206" v="5" actId="1076"/>
+          <ac:picMkLst>
+            <pc:docMk/>
+            <pc:sldMk cId="0" sldId="256"/>
+            <ac:picMk id="15" creationId="{4A4A072E-AE86-EA01-BCF6-D32981C358A5}"/>
+          </ac:picMkLst>
+        </pc:picChg>
+        <pc:picChg chg="mod">
+          <ac:chgData name="phia soop" userId="29a08e2069ba6ceb" providerId="LiveId" clId="{A8652FE5-D502-4767-B550-4A56B857022A}" dt="2023-04-21T15:16:04.206" v="5" actId="1076"/>
+          <ac:picMkLst>
+            <pc:docMk/>
+            <pc:sldMk cId="0" sldId="256"/>
+            <ac:picMk id="19" creationId="{D3FB539A-6F2A-CFCD-A322-D2274FCE68E2}"/>
+          </ac:picMkLst>
+        </pc:picChg>
+        <pc:picChg chg="mod">
+          <ac:chgData name="phia soop" userId="29a08e2069ba6ceb" providerId="LiveId" clId="{A8652FE5-D502-4767-B550-4A56B857022A}" dt="2023-04-21T15:16:04.206" v="5" actId="1076"/>
+          <ac:picMkLst>
+            <pc:docMk/>
+            <pc:sldMk cId="0" sldId="256"/>
+            <ac:picMk id="1026" creationId="{60B15DF6-ABAE-100F-C0E3-80BFBA011C2D}"/>
+          </ac:picMkLst>
+        </pc:picChg>
+        <pc:picChg chg="mod">
+          <ac:chgData name="phia soop" userId="29a08e2069ba6ceb" providerId="LiveId" clId="{A8652FE5-D502-4767-B550-4A56B857022A}" dt="2023-04-21T15:16:04.206" v="5" actId="1076"/>
+          <ac:picMkLst>
+            <pc:docMk/>
+            <pc:sldMk cId="0" sldId="256"/>
+            <ac:picMk id="1028" creationId="{343E065F-7B16-4A92-C3E9-0CDB96F68215}"/>
+          </ac:picMkLst>
+        </pc:picChg>
+        <pc:picChg chg="mod">
+          <ac:chgData name="phia soop" userId="29a08e2069ba6ceb" providerId="LiveId" clId="{A8652FE5-D502-4767-B550-4A56B857022A}" dt="2023-04-21T15:16:04.206" v="5" actId="1076"/>
+          <ac:picMkLst>
+            <pc:docMk/>
+            <pc:sldMk cId="0" sldId="256"/>
+            <ac:picMk id="1040" creationId="{8132CA30-EC41-D59C-3036-B3692367878D}"/>
+          </ac:picMkLst>
+        </pc:picChg>
+        <pc:picChg chg="mod">
+          <ac:chgData name="phia soop" userId="29a08e2069ba6ceb" providerId="LiveId" clId="{A8652FE5-D502-4767-B550-4A56B857022A}" dt="2023-04-21T15:16:04.206" v="5" actId="1076"/>
+          <ac:picMkLst>
+            <pc:docMk/>
+            <pc:sldMk cId="0" sldId="256"/>
+            <ac:picMk id="1048" creationId="{240537C9-FBDB-ED40-2D2A-30423837EA54}"/>
+          </ac:picMkLst>
+        </pc:picChg>
+      </pc:sldChg>
+      <pc:sldChg chg="addSp del mod ord">
+        <pc:chgData name="phia soop" userId="29a08e2069ba6ceb" providerId="LiveId" clId="{A8652FE5-D502-4767-B550-4A56B857022A}" dt="2023-04-21T15:15:59.652" v="4" actId="47"/>
+        <pc:sldMkLst>
+          <pc:docMk/>
+          <pc:sldMk cId="0" sldId="257"/>
+        </pc:sldMkLst>
+        <pc:picChg chg="add">
+          <ac:chgData name="phia soop" userId="29a08e2069ba6ceb" providerId="LiveId" clId="{A8652FE5-D502-4767-B550-4A56B857022A}" dt="2023-04-21T15:15:49.926" v="0" actId="22"/>
+          <ac:picMkLst>
+            <pc:docMk/>
+            <pc:sldMk cId="0" sldId="257"/>
+            <ac:picMk id="3" creationId="{E82C8351-30FE-3EDC-0868-14FF2607F67B}"/>
+          </ac:picMkLst>
+        </pc:picChg>
+      </pc:sldChg>
+    </pc:docChg>
+  </pc:docChgLst>
+</pc:chgInfo>
 </file>
 
 <file path=ppt/slideLayouts/slideLayout1.xml><?xml version="1.0" encoding="utf-8"?>
@@ -254,7 +375,7 @@
           <a:p>
             <a:fld id="{A8F8F1DE-EC3E-42BD-9DA2-59FE99BCF658}" type="datetimeFigureOut">
               <a:rPr lang="ko-KR" altLang="en-US" smtClean="0"/>
-              <a:t>2023-04-21</a:t>
+              <a:t>2023-04-22</a:t>
             </a:fld>
             <a:endParaRPr lang="ko-KR" altLang="en-US"/>
           </a:p>
@@ -452,7 +573,7 @@
           <a:p>
             <a:fld id="{A8F8F1DE-EC3E-42BD-9DA2-59FE99BCF658}" type="datetimeFigureOut">
               <a:rPr lang="ko-KR" altLang="en-US" smtClean="0"/>
-              <a:t>2023-04-21</a:t>
+              <a:t>2023-04-22</a:t>
             </a:fld>
             <a:endParaRPr lang="ko-KR" altLang="en-US"/>
           </a:p>
@@ -660,7 +781,7 @@
           <a:p>
             <a:fld id="{A8F8F1DE-EC3E-42BD-9DA2-59FE99BCF658}" type="datetimeFigureOut">
               <a:rPr lang="ko-KR" altLang="en-US" smtClean="0"/>
-              <a:t>2023-04-21</a:t>
+              <a:t>2023-04-22</a:t>
             </a:fld>
             <a:endParaRPr lang="ko-KR" altLang="en-US"/>
           </a:p>
@@ -858,7 +979,7 @@
           <a:p>
             <a:fld id="{A8F8F1DE-EC3E-42BD-9DA2-59FE99BCF658}" type="datetimeFigureOut">
               <a:rPr lang="ko-KR" altLang="en-US" smtClean="0"/>
-              <a:t>2023-04-21</a:t>
+              <a:t>2023-04-22</a:t>
             </a:fld>
             <a:endParaRPr lang="ko-KR" altLang="en-US"/>
           </a:p>
@@ -1133,7 +1254,7 @@
           <a:p>
             <a:fld id="{A8F8F1DE-EC3E-42BD-9DA2-59FE99BCF658}" type="datetimeFigureOut">
               <a:rPr lang="ko-KR" altLang="en-US" smtClean="0"/>
-              <a:t>2023-04-21</a:t>
+              <a:t>2023-04-22</a:t>
             </a:fld>
             <a:endParaRPr lang="ko-KR" altLang="en-US"/>
           </a:p>
@@ -1398,7 +1519,7 @@
           <a:p>
             <a:fld id="{A8F8F1DE-EC3E-42BD-9DA2-59FE99BCF658}" type="datetimeFigureOut">
               <a:rPr lang="ko-KR" altLang="en-US" smtClean="0"/>
-              <a:t>2023-04-21</a:t>
+              <a:t>2023-04-22</a:t>
             </a:fld>
             <a:endParaRPr lang="ko-KR" altLang="en-US"/>
           </a:p>
@@ -1810,7 +1931,7 @@
           <a:p>
             <a:fld id="{A8F8F1DE-EC3E-42BD-9DA2-59FE99BCF658}" type="datetimeFigureOut">
               <a:rPr lang="ko-KR" altLang="en-US" smtClean="0"/>
-              <a:t>2023-04-21</a:t>
+              <a:t>2023-04-22</a:t>
             </a:fld>
             <a:endParaRPr lang="ko-KR" altLang="en-US"/>
           </a:p>
@@ -1951,7 +2072,7 @@
           <a:p>
             <a:fld id="{A8F8F1DE-EC3E-42BD-9DA2-59FE99BCF658}" type="datetimeFigureOut">
               <a:rPr lang="ko-KR" altLang="en-US" smtClean="0"/>
-              <a:t>2023-04-21</a:t>
+              <a:t>2023-04-22</a:t>
             </a:fld>
             <a:endParaRPr lang="ko-KR" altLang="en-US"/>
           </a:p>
@@ -2064,7 +2185,7 @@
           <a:p>
             <a:fld id="{A8F8F1DE-EC3E-42BD-9DA2-59FE99BCF658}" type="datetimeFigureOut">
               <a:rPr lang="ko-KR" altLang="en-US" smtClean="0"/>
-              <a:t>2023-04-21</a:t>
+              <a:t>2023-04-22</a:t>
             </a:fld>
             <a:endParaRPr lang="ko-KR" altLang="en-US"/>
           </a:p>
@@ -2375,7 +2496,7 @@
           <a:p>
             <a:fld id="{A8F8F1DE-EC3E-42BD-9DA2-59FE99BCF658}" type="datetimeFigureOut">
               <a:rPr lang="ko-KR" altLang="en-US" smtClean="0"/>
-              <a:t>2023-04-21</a:t>
+              <a:t>2023-04-22</a:t>
             </a:fld>
             <a:endParaRPr lang="ko-KR" altLang="en-US"/>
           </a:p>
@@ -2663,7 +2784,7 @@
           <a:p>
             <a:fld id="{A8F8F1DE-EC3E-42BD-9DA2-59FE99BCF658}" type="datetimeFigureOut">
               <a:rPr lang="ko-KR" altLang="en-US" smtClean="0"/>
-              <a:t>2023-04-21</a:t>
+              <a:t>2023-04-22</a:t>
             </a:fld>
             <a:endParaRPr lang="ko-KR" altLang="en-US"/>
           </a:p>
@@ -2904,7 +3025,7 @@
           <a:p>
             <a:fld id="{A8F8F1DE-EC3E-42BD-9DA2-59FE99BCF658}" type="datetimeFigureOut">
               <a:rPr lang="ko-KR" altLang="en-US" smtClean="0"/>
-              <a:t>2023-04-21</a:t>
+              <a:t>2023-04-22</a:t>
             </a:fld>
             <a:endParaRPr lang="ko-KR" altLang="en-US"/>
           </a:p>
@@ -3350,7 +3471,7 @@
         </p:blipFill>
         <p:spPr bwMode="auto">
           <a:xfrm>
-            <a:off x="4374928" y="2531843"/>
+            <a:off x="4454441" y="2910335"/>
             <a:ext cx="1645042" cy="1645042"/>
           </a:xfrm>
           <a:prstGeom prst="rect">
@@ -3397,7 +3518,7 @@
         </p:blipFill>
         <p:spPr bwMode="auto">
           <a:xfrm>
-            <a:off x="5302360" y="1746218"/>
+            <a:off x="5381873" y="2124710"/>
             <a:ext cx="3130624" cy="3130624"/>
           </a:xfrm>
           <a:prstGeom prst="rect">
@@ -3437,7 +3558,7 @@
         </p:blipFill>
         <p:spPr>
           <a:xfrm>
-            <a:off x="9679954" y="2769781"/>
+            <a:off x="9759467" y="3148273"/>
             <a:ext cx="1379287" cy="1318437"/>
           </a:xfrm>
           <a:prstGeom prst="rect">
@@ -3459,7 +3580,7 @@
         </p:nvSpPr>
         <p:spPr>
           <a:xfrm>
-            <a:off x="5731355" y="3198166"/>
+            <a:off x="5810868" y="3576658"/>
             <a:ext cx="988236" cy="461665"/>
           </a:xfrm>
           <a:prstGeom prst="rect">
@@ -3514,7 +3635,7 @@
         </p:blipFill>
         <p:spPr bwMode="auto">
           <a:xfrm>
-            <a:off x="1148930" y="2852416"/>
+            <a:off x="1277326" y="3165280"/>
             <a:ext cx="1135152" cy="1135152"/>
           </a:xfrm>
           <a:prstGeom prst="rect">
@@ -3534,10 +3655,10 @@
       </p:pic>
       <p:pic>
         <p:nvPicPr>
-          <p:cNvPr id="1046" name="Picture 22" descr="Up Hand Drawn Arrow Icons - Free SVG &amp; PNG Up Hand Drawn Arrow Images -  Noun Project">
-            <a:extLst>
-              <a:ext uri="{FF2B5EF4-FFF2-40B4-BE49-F238E27FC236}">
-                <a16:creationId xmlns:a16="http://schemas.microsoft.com/office/drawing/2014/main" id="{CC50CF91-A4DB-36C7-180C-7305B04B6D8F}"/>
+          <p:cNvPr id="19" name="Picture 22" descr="Up Hand Drawn Arrow Icons - Free SVG &amp; PNG Up Hand Drawn Arrow Images -  Noun Project">
+            <a:extLst>
+              <a:ext uri="{FF2B5EF4-FFF2-40B4-BE49-F238E27FC236}">
+                <a16:creationId xmlns:a16="http://schemas.microsoft.com/office/drawing/2014/main" id="{D3FB539A-6F2A-CFCD-A322-D2274FCE68E2}"/>
               </a:ext>
             </a:extLst>
           </p:cNvPr>
@@ -3561,7 +3682,7 @@
         </p:blipFill>
         <p:spPr bwMode="auto">
           <a:xfrm rot="8905877">
-            <a:off x="2438929" y="2467491"/>
+            <a:off x="7703240" y="2845984"/>
             <a:ext cx="1905000" cy="1905000"/>
           </a:xfrm>
           <a:prstGeom prst="rect">
@@ -3579,12 +3700,53 @@
           </a:extLst>
         </p:spPr>
       </p:pic>
+      <p:sp>
+        <p:nvSpPr>
+          <p:cNvPr id="20" name="TextBox 19">
+            <a:extLst>
+              <a:ext uri="{FF2B5EF4-FFF2-40B4-BE49-F238E27FC236}">
+                <a16:creationId xmlns:a16="http://schemas.microsoft.com/office/drawing/2014/main" id="{B65D2A5E-F914-6924-2D86-6297EEDE19B3}"/>
+              </a:ext>
+            </a:extLst>
+          </p:cNvPr>
+          <p:cNvSpPr txBox="1"/>
+          <p:nvPr/>
+        </p:nvSpPr>
+        <p:spPr>
+          <a:xfrm>
+            <a:off x="4036969" y="1505609"/>
+            <a:ext cx="4125027" cy="830997"/>
+          </a:xfrm>
+          <a:prstGeom prst="rect">
+            <a:avLst/>
+          </a:prstGeom>
+          <a:noFill/>
+        </p:spPr>
+        <p:txBody>
+          <a:bodyPr wrap="square" rtlCol="0">
+            <a:spAutoFit/>
+          </a:bodyPr>
+          <a:lstStyle/>
+          <a:p>
+            <a:pPr algn="ctr"/>
+            <a:r>
+              <a:rPr lang="en-US" altLang="ko-KR" sz="4800">
+                <a:latin typeface="Arial Black" panose="020B0A04020102020204" pitchFamily="34" charset="0"/>
+              </a:rPr>
+              <a:t>Auto-PPT</a:t>
+            </a:r>
+            <a:endParaRPr lang="ko-KR" altLang="en-US">
+              <a:latin typeface="Arial Black" panose="020B0A04020102020204" pitchFamily="34" charset="0"/>
+            </a:endParaRPr>
+          </a:p>
+        </p:txBody>
+      </p:sp>
       <p:pic>
         <p:nvPicPr>
-          <p:cNvPr id="19" name="Picture 22" descr="Up Hand Drawn Arrow Icons - Free SVG &amp; PNG Up Hand Drawn Arrow Images -  Noun Project">
-            <a:extLst>
-              <a:ext uri="{FF2B5EF4-FFF2-40B4-BE49-F238E27FC236}">
-                <a16:creationId xmlns:a16="http://schemas.microsoft.com/office/drawing/2014/main" id="{D3FB539A-6F2A-CFCD-A322-D2274FCE68E2}"/>
+          <p:cNvPr id="1048" name="Picture 24" descr="Plus - Free signs icons">
+            <a:extLst>
+              <a:ext uri="{FF2B5EF4-FFF2-40B4-BE49-F238E27FC236}">
+                <a16:creationId xmlns:a16="http://schemas.microsoft.com/office/drawing/2014/main" id="{240537C9-FBDB-ED40-2D2A-30423837EA54}"/>
               </a:ext>
             </a:extLst>
           </p:cNvPr>
@@ -3594,7 +3756,7 @@
           <p:nvPr/>
         </p:nvPicPr>
         <p:blipFill>
-          <a:blip r:embed="rId6">
+          <a:blip r:embed="rId7">
             <a:extLst>
               <a:ext uri="{28A0092B-C50C-407E-A947-70E740481C1C}">
                 <a14:useLocalDpi xmlns:a14="http://schemas.microsoft.com/office/drawing/2010/main" val="0"/>
@@ -3607,9 +3769,9 @@
           </a:stretch>
         </p:blipFill>
         <p:spPr bwMode="auto">
-          <a:xfrm rot="8905877">
-            <a:off x="7535172" y="2467491"/>
-            <a:ext cx="1905000" cy="1905000"/>
+          <a:xfrm>
+            <a:off x="3003168" y="3368191"/>
+            <a:ext cx="860583" cy="860583"/>
           </a:xfrm>
           <a:prstGeom prst="rect">
             <a:avLst/>
@@ -3626,6 +3788,56 @@
           </a:extLst>
         </p:spPr>
       </p:pic>
+      <p:sp>
+        <p:nvSpPr>
+          <p:cNvPr id="21" name="사각형: 둥근 모서리 20">
+            <a:extLst>
+              <a:ext uri="{FF2B5EF4-FFF2-40B4-BE49-F238E27FC236}">
+                <a16:creationId xmlns:a16="http://schemas.microsoft.com/office/drawing/2014/main" id="{E6A42C7C-C2C8-5BB1-08BB-12599DD72580}"/>
+              </a:ext>
+            </a:extLst>
+          </p:cNvPr>
+          <p:cNvSpPr/>
+          <p:nvPr/>
+        </p:nvSpPr>
+        <p:spPr>
+          <a:xfrm>
+            <a:off x="972648" y="2861099"/>
+            <a:ext cx="6889898" cy="1826626"/>
+          </a:xfrm>
+          <a:prstGeom prst="roundRect">
+            <a:avLst/>
+          </a:prstGeom>
+          <a:noFill/>
+          <a:ln w="57150">
+            <a:solidFill>
+              <a:schemeClr val="tx1"/>
+            </a:solidFill>
+          </a:ln>
+        </p:spPr>
+        <p:style>
+          <a:lnRef idx="1">
+            <a:schemeClr val="accent1"/>
+          </a:lnRef>
+          <a:fillRef idx="3">
+            <a:schemeClr val="accent1"/>
+          </a:fillRef>
+          <a:effectRef idx="2">
+            <a:schemeClr val="accent1"/>
+          </a:effectRef>
+          <a:fontRef idx="minor">
+            <a:schemeClr val="lt1"/>
+          </a:fontRef>
+        </p:style>
+        <p:txBody>
+          <a:bodyPr rtlCol="0" anchor="ctr"/>
+          <a:lstStyle/>
+          <a:p>
+            <a:pPr algn="ctr"/>
+            <a:endParaRPr lang="ko-KR" altLang="en-US"/>
+          </a:p>
+        </p:txBody>
+      </p:sp>
     </p:spTree>
   </p:cSld>
   <p:clrMapOvr>
